--- a/materials/slides/ch02-2.pptx
+++ b/materials/slides/ch02-2.pptx
@@ -166,7 +166,7 @@
   </p:defaultTextStyle>
   <p:extLst>
     <p:ext uri="{EFAFB233-063F-42B5-8137-9DF3F51BA10A}">
-      <p15:sldGuideLst xmlns:p15="http://schemas.microsoft.com/office/powerpoint/2012/main">
+      <p15:sldGuideLst xmlns="" xmlns:p15="http://schemas.microsoft.com/office/powerpoint/2012/main">
         <p15:guide id="1" orient="horz" pos="2160" userDrawn="1">
           <p15:clr>
             <a:srgbClr val="A4A3A4"/>
@@ -188,7 +188,7 @@
   <p:cmAuthor id="1" name="Eetze" initials="E" lastIdx="1" clrIdx="0">
     <p:extLst>
       <p:ext uri="{19B8F6BF-5375-455C-9EA6-DF929625EA0E}">
-        <p15:presenceInfo xmlns:p15="http://schemas.microsoft.com/office/powerpoint/2012/main" userId="Eetze" providerId="None"/>
+        <p15:presenceInfo xmlns="" xmlns:p15="http://schemas.microsoft.com/office/powerpoint/2012/main" userId="Eetze" providerId="None"/>
       </p:ext>
     </p:extLst>
   </p:cmAuthor>
@@ -798,505 +798,6 @@
           <a:lstStyle/>
           <a:p>
             <a:r>
-              <a:rPr lang="en-US" altLang="zh-CN" smtClean="0"/>
-              <a:t>// </a:t>
-            </a:r>
-            <a:r>
-              <a:rPr lang="zh-CN" altLang="en-US" smtClean="0"/>
-              <a:t>相对于给定</a:t>
-            </a:r>
-            <a:r>
-              <a:rPr lang="en-US" altLang="zh-CN" smtClean="0"/>
-              <a:t>ID</a:t>
-            </a:r>
-            <a:r>
-              <a:rPr lang="zh-CN" altLang="en-US" smtClean="0"/>
-              <a:t>控件 </a:t>
-            </a:r>
-          </a:p>
-          <a:p>
-            <a:r>
-              <a:rPr lang="en-US" altLang="zh-CN" smtClean="0"/>
-              <a:t>android:layout_above </a:t>
-            </a:r>
-            <a:r>
-              <a:rPr lang="zh-CN" altLang="en-US" smtClean="0"/>
-              <a:t>将该控件的底部置于给定</a:t>
-            </a:r>
-            <a:r>
-              <a:rPr lang="en-US" altLang="zh-CN" smtClean="0"/>
-              <a:t>ID</a:t>
-            </a:r>
-            <a:r>
-              <a:rPr lang="zh-CN" altLang="en-US" smtClean="0"/>
-              <a:t>的控件之上</a:t>
-            </a:r>
-            <a:r>
-              <a:rPr lang="en-US" altLang="zh-CN" smtClean="0"/>
-              <a:t>; </a:t>
-            </a:r>
-          </a:p>
-          <a:p>
-            <a:r>
-              <a:rPr lang="en-US" altLang="zh-CN" smtClean="0"/>
-              <a:t>android:layout_below </a:t>
-            </a:r>
-            <a:r>
-              <a:rPr lang="zh-CN" altLang="en-US" smtClean="0"/>
-              <a:t>将该控件的底部置于给定</a:t>
-            </a:r>
-            <a:r>
-              <a:rPr lang="en-US" altLang="zh-CN" smtClean="0"/>
-              <a:t>ID</a:t>
-            </a:r>
-            <a:r>
-              <a:rPr lang="zh-CN" altLang="en-US" smtClean="0"/>
-              <a:t>的控件之下</a:t>
-            </a:r>
-            <a:r>
-              <a:rPr lang="en-US" altLang="zh-CN" smtClean="0"/>
-              <a:t>; </a:t>
-            </a:r>
-          </a:p>
-          <a:p>
-            <a:r>
-              <a:rPr lang="en-US" altLang="zh-CN" smtClean="0"/>
-              <a:t>android:layout_toLeftOf </a:t>
-            </a:r>
-            <a:r>
-              <a:rPr lang="zh-CN" altLang="en-US" smtClean="0"/>
-              <a:t>将该控件的右边缘与给定</a:t>
-            </a:r>
-            <a:r>
-              <a:rPr lang="en-US" altLang="zh-CN" smtClean="0"/>
-              <a:t>ID</a:t>
-            </a:r>
-            <a:r>
-              <a:rPr lang="zh-CN" altLang="en-US" smtClean="0"/>
-              <a:t>的控件左边缘对齐</a:t>
-            </a:r>
-            <a:r>
-              <a:rPr lang="en-US" altLang="zh-CN" smtClean="0"/>
-              <a:t>; </a:t>
-            </a:r>
-          </a:p>
-          <a:p>
-            <a:r>
-              <a:rPr lang="en-US" altLang="zh-CN" smtClean="0"/>
-              <a:t>android:layout_toRightOf </a:t>
-            </a:r>
-            <a:r>
-              <a:rPr lang="zh-CN" altLang="en-US" smtClean="0"/>
-              <a:t>将该控件的左边缘与给定</a:t>
-            </a:r>
-            <a:r>
-              <a:rPr lang="en-US" altLang="zh-CN" smtClean="0"/>
-              <a:t>ID</a:t>
-            </a:r>
-            <a:r>
-              <a:rPr lang="zh-CN" altLang="en-US" smtClean="0"/>
-              <a:t>的控件右边缘对齐</a:t>
-            </a:r>
-            <a:r>
-              <a:rPr lang="en-US" altLang="zh-CN" smtClean="0"/>
-              <a:t>; </a:t>
-            </a:r>
-          </a:p>
-          <a:p>
-            <a:endParaRPr lang="en-US" altLang="zh-CN" smtClean="0"/>
-          </a:p>
-          <a:p>
-            <a:r>
-              <a:rPr lang="en-US" altLang="zh-CN" smtClean="0"/>
-              <a:t>android:layout_alignBaseline </a:t>
-            </a:r>
-            <a:r>
-              <a:rPr lang="zh-CN" altLang="en-US" smtClean="0"/>
-              <a:t>将该控件的</a:t>
-            </a:r>
-            <a:r>
-              <a:rPr lang="en-US" altLang="zh-CN" smtClean="0"/>
-              <a:t>baseline</a:t>
-            </a:r>
-            <a:r>
-              <a:rPr lang="zh-CN" altLang="en-US" smtClean="0"/>
-              <a:t>与给定</a:t>
-            </a:r>
-            <a:r>
-              <a:rPr lang="en-US" altLang="zh-CN" smtClean="0"/>
-              <a:t>ID</a:t>
-            </a:r>
-            <a:r>
-              <a:rPr lang="zh-CN" altLang="en-US" smtClean="0"/>
-              <a:t>的</a:t>
-            </a:r>
-            <a:r>
-              <a:rPr lang="en-US" altLang="zh-CN" smtClean="0"/>
-              <a:t>baseline</a:t>
-            </a:r>
-            <a:r>
-              <a:rPr lang="zh-CN" altLang="en-US" smtClean="0"/>
-              <a:t>对齐</a:t>
-            </a:r>
-            <a:r>
-              <a:rPr lang="en-US" altLang="zh-CN" smtClean="0"/>
-              <a:t>; </a:t>
-            </a:r>
-          </a:p>
-          <a:p>
-            <a:r>
-              <a:rPr lang="en-US" altLang="zh-CN" smtClean="0"/>
-              <a:t>android:layout_alignTop </a:t>
-            </a:r>
-            <a:r>
-              <a:rPr lang="zh-CN" altLang="en-US" smtClean="0"/>
-              <a:t>将该控件的顶部边缘与给定</a:t>
-            </a:r>
-            <a:r>
-              <a:rPr lang="en-US" altLang="zh-CN" smtClean="0"/>
-              <a:t>ID</a:t>
-            </a:r>
-            <a:r>
-              <a:rPr lang="zh-CN" altLang="en-US" smtClean="0"/>
-              <a:t>的顶部边缘对齐</a:t>
-            </a:r>
-            <a:r>
-              <a:rPr lang="en-US" altLang="zh-CN" smtClean="0"/>
-              <a:t>; </a:t>
-            </a:r>
-          </a:p>
-          <a:p>
-            <a:r>
-              <a:rPr lang="en-US" altLang="zh-CN" smtClean="0"/>
-              <a:t>android:layout_alignBottom </a:t>
-            </a:r>
-            <a:r>
-              <a:rPr lang="zh-CN" altLang="en-US" smtClean="0"/>
-              <a:t>将该控件的底部边缘与给定</a:t>
-            </a:r>
-            <a:r>
-              <a:rPr lang="en-US" altLang="zh-CN" smtClean="0"/>
-              <a:t>ID</a:t>
-            </a:r>
-            <a:r>
-              <a:rPr lang="zh-CN" altLang="en-US" smtClean="0"/>
-              <a:t>的底部边缘对齐</a:t>
-            </a:r>
-            <a:r>
-              <a:rPr lang="en-US" altLang="zh-CN" smtClean="0"/>
-              <a:t>; </a:t>
-            </a:r>
-          </a:p>
-          <a:p>
-            <a:r>
-              <a:rPr lang="en-US" altLang="zh-CN" smtClean="0"/>
-              <a:t>android:layout_alignLeft </a:t>
-            </a:r>
-            <a:r>
-              <a:rPr lang="zh-CN" altLang="en-US" smtClean="0"/>
-              <a:t>将该控件的左边缘与给定</a:t>
-            </a:r>
-            <a:r>
-              <a:rPr lang="en-US" altLang="zh-CN" smtClean="0"/>
-              <a:t>ID</a:t>
-            </a:r>
-            <a:r>
-              <a:rPr lang="zh-CN" altLang="en-US" smtClean="0"/>
-              <a:t>的左边缘对齐</a:t>
-            </a:r>
-            <a:r>
-              <a:rPr lang="en-US" altLang="zh-CN" smtClean="0"/>
-              <a:t>; </a:t>
-            </a:r>
-          </a:p>
-          <a:p>
-            <a:r>
-              <a:rPr lang="en-US" altLang="zh-CN" smtClean="0"/>
-              <a:t>android:layout_alignRight </a:t>
-            </a:r>
-            <a:r>
-              <a:rPr lang="zh-CN" altLang="en-US" smtClean="0"/>
-              <a:t>将该控件的右边缘与给定</a:t>
-            </a:r>
-            <a:r>
-              <a:rPr lang="en-US" altLang="zh-CN" smtClean="0"/>
-              <a:t>ID</a:t>
-            </a:r>
-            <a:r>
-              <a:rPr lang="zh-CN" altLang="en-US" smtClean="0"/>
-              <a:t>的右边缘对齐</a:t>
-            </a:r>
-            <a:r>
-              <a:rPr lang="en-US" altLang="zh-CN" smtClean="0"/>
-              <a:t>; </a:t>
-            </a:r>
-          </a:p>
-          <a:p>
-            <a:endParaRPr lang="en-US" altLang="zh-CN" smtClean="0"/>
-          </a:p>
-          <a:p>
-            <a:r>
-              <a:rPr lang="en-US" altLang="zh-CN" smtClean="0"/>
-              <a:t>// </a:t>
-            </a:r>
-            <a:r>
-              <a:rPr lang="zh-CN" altLang="en-US" smtClean="0"/>
-              <a:t>相对于父组件 </a:t>
-            </a:r>
-          </a:p>
-          <a:p>
-            <a:r>
-              <a:rPr lang="en-US" altLang="zh-CN" smtClean="0"/>
-              <a:t>android:layout_alignParentTop </a:t>
-            </a:r>
-            <a:r>
-              <a:rPr lang="zh-CN" altLang="en-US" smtClean="0"/>
-              <a:t>如果为</a:t>
-            </a:r>
-            <a:r>
-              <a:rPr lang="en-US" altLang="zh-CN" smtClean="0"/>
-              <a:t>true,</a:t>
-            </a:r>
-            <a:r>
-              <a:rPr lang="zh-CN" altLang="en-US" smtClean="0"/>
-              <a:t>将该控件的顶部与其父控件的顶部对齐</a:t>
-            </a:r>
-            <a:r>
-              <a:rPr lang="en-US" altLang="zh-CN" smtClean="0"/>
-              <a:t>; </a:t>
-            </a:r>
-          </a:p>
-          <a:p>
-            <a:r>
-              <a:rPr lang="en-US" altLang="zh-CN" smtClean="0"/>
-              <a:t>android:layout_alignParentBottom </a:t>
-            </a:r>
-            <a:r>
-              <a:rPr lang="zh-CN" altLang="en-US" smtClean="0"/>
-              <a:t>如果为</a:t>
-            </a:r>
-            <a:r>
-              <a:rPr lang="en-US" altLang="zh-CN" smtClean="0"/>
-              <a:t>true,</a:t>
-            </a:r>
-            <a:r>
-              <a:rPr lang="zh-CN" altLang="en-US" smtClean="0"/>
-              <a:t>将该控件的底部与其父控件的底部对齐</a:t>
-            </a:r>
-            <a:r>
-              <a:rPr lang="en-US" altLang="zh-CN" smtClean="0"/>
-              <a:t>; </a:t>
-            </a:r>
-          </a:p>
-          <a:p>
-            <a:r>
-              <a:rPr lang="en-US" altLang="zh-CN" smtClean="0"/>
-              <a:t>android:layout_alignParentLeft </a:t>
-            </a:r>
-            <a:r>
-              <a:rPr lang="zh-CN" altLang="en-US" smtClean="0"/>
-              <a:t>如果为</a:t>
-            </a:r>
-            <a:r>
-              <a:rPr lang="en-US" altLang="zh-CN" smtClean="0"/>
-              <a:t>true,</a:t>
-            </a:r>
-            <a:r>
-              <a:rPr lang="zh-CN" altLang="en-US" smtClean="0"/>
-              <a:t>将该控件的左部与其父控件的左部对齐</a:t>
-            </a:r>
-            <a:r>
-              <a:rPr lang="en-US" altLang="zh-CN" smtClean="0"/>
-              <a:t>; </a:t>
-            </a:r>
-          </a:p>
-          <a:p>
-            <a:r>
-              <a:rPr lang="en-US" altLang="zh-CN" smtClean="0"/>
-              <a:t>android:layout_alignParentRight </a:t>
-            </a:r>
-            <a:r>
-              <a:rPr lang="zh-CN" altLang="en-US" smtClean="0"/>
-              <a:t>如果为</a:t>
-            </a:r>
-            <a:r>
-              <a:rPr lang="en-US" altLang="zh-CN" smtClean="0"/>
-              <a:t>true,</a:t>
-            </a:r>
-            <a:r>
-              <a:rPr lang="zh-CN" altLang="en-US" smtClean="0"/>
-              <a:t>将该控件的右部与其父控件的右部对齐</a:t>
-            </a:r>
-            <a:r>
-              <a:rPr lang="en-US" altLang="zh-CN" smtClean="0"/>
-              <a:t>; </a:t>
-            </a:r>
-          </a:p>
-          <a:p>
-            <a:endParaRPr lang="en-US" altLang="zh-CN" smtClean="0"/>
-          </a:p>
-          <a:p>
-            <a:r>
-              <a:rPr lang="en-US" altLang="zh-CN" smtClean="0"/>
-              <a:t>// </a:t>
-            </a:r>
-            <a:r>
-              <a:rPr lang="zh-CN" altLang="en-US" smtClean="0"/>
-              <a:t>居中 </a:t>
-            </a:r>
-          </a:p>
-          <a:p>
-            <a:r>
-              <a:rPr lang="en-US" altLang="zh-CN" smtClean="0"/>
-              <a:t>android:layout_centerHorizontal </a:t>
-            </a:r>
-            <a:r>
-              <a:rPr lang="zh-CN" altLang="en-US" smtClean="0"/>
-              <a:t>如果为</a:t>
-            </a:r>
-            <a:r>
-              <a:rPr lang="en-US" altLang="zh-CN" smtClean="0"/>
-              <a:t>true,</a:t>
-            </a:r>
-            <a:r>
-              <a:rPr lang="zh-CN" altLang="en-US" smtClean="0"/>
-              <a:t>将该控件的置于水平居中</a:t>
-            </a:r>
-            <a:r>
-              <a:rPr lang="en-US" altLang="zh-CN" smtClean="0"/>
-              <a:t>; </a:t>
-            </a:r>
-          </a:p>
-          <a:p>
-            <a:r>
-              <a:rPr lang="en-US" altLang="zh-CN" smtClean="0"/>
-              <a:t>android:layout_centerVertical </a:t>
-            </a:r>
-            <a:r>
-              <a:rPr lang="zh-CN" altLang="en-US" smtClean="0"/>
-              <a:t>如果为</a:t>
-            </a:r>
-            <a:r>
-              <a:rPr lang="en-US" altLang="zh-CN" smtClean="0"/>
-              <a:t>true,</a:t>
-            </a:r>
-            <a:r>
-              <a:rPr lang="zh-CN" altLang="en-US" smtClean="0"/>
-              <a:t>将该控件的置于垂直居中</a:t>
-            </a:r>
-            <a:r>
-              <a:rPr lang="en-US" altLang="zh-CN" smtClean="0"/>
-              <a:t>; </a:t>
-            </a:r>
-          </a:p>
-          <a:p>
-            <a:r>
-              <a:rPr lang="en-US" altLang="zh-CN" smtClean="0"/>
-              <a:t>android:layout_centerInParent </a:t>
-            </a:r>
-            <a:r>
-              <a:rPr lang="zh-CN" altLang="en-US" smtClean="0"/>
-              <a:t>如果为</a:t>
-            </a:r>
-            <a:r>
-              <a:rPr lang="en-US" altLang="zh-CN" smtClean="0"/>
-              <a:t>true,</a:t>
-            </a:r>
-            <a:r>
-              <a:rPr lang="zh-CN" altLang="en-US" smtClean="0"/>
-              <a:t>将该控件的置于父控件的中央</a:t>
-            </a:r>
-            <a:r>
-              <a:rPr lang="en-US" altLang="zh-CN" smtClean="0"/>
-              <a:t>; </a:t>
-            </a:r>
-          </a:p>
-          <a:p>
-            <a:endParaRPr lang="zh-CN" altLang="en-US"/>
-          </a:p>
-        </p:txBody>
-      </p:sp>
-      <p:sp>
-        <p:nvSpPr>
-          <p:cNvPr id="4" name="灯片编号占位符 3"/>
-          <p:cNvSpPr>
-            <a:spLocks noGrp="1"/>
-          </p:cNvSpPr>
-          <p:nvPr>
-            <p:ph type="sldNum" sz="quarter" idx="10"/>
-          </p:nvPr>
-        </p:nvSpPr>
-        <p:spPr/>
-        <p:txBody>
-          <a:bodyPr/>
-          <a:lstStyle/>
-          <a:p>
-            <a:fld id="{67AFED13-18EC-4853-B935-6E23F2540B2D}" type="slidenum">
-              <a:rPr lang="zh-CN" altLang="en-US" smtClean="0"/>
-              <a:t>28</a:t>
-            </a:fld>
-            <a:endParaRPr lang="zh-CN" altLang="en-US"/>
-          </a:p>
-        </p:txBody>
-      </p:sp>
-    </p:spTree>
-    <p:extLst>
-      <p:ext uri="{BB962C8B-B14F-4D97-AF65-F5344CB8AC3E}">
-        <p14:creationId xmlns:p14="http://schemas.microsoft.com/office/powerpoint/2010/main" val="198894103"/>
-      </p:ext>
-    </p:extLst>
-  </p:cSld>
-  <p:clrMapOvr>
-    <a:masterClrMapping/>
-  </p:clrMapOvr>
-</p:notes>
-</file>
-
-<file path=ppt/notesSlides/notesSlide12.xml><?xml version="1.0" encoding="utf-8"?>
-<p:notes xmlns:a="http://schemas.openxmlformats.org/drawingml/2006/main" xmlns:r="http://schemas.openxmlformats.org/officeDocument/2006/relationships" xmlns:p="http://schemas.openxmlformats.org/presentationml/2006/main">
-  <p:cSld>
-    <p:spTree>
-      <p:nvGrpSpPr>
-        <p:cNvPr id="1" name=""/>
-        <p:cNvGrpSpPr/>
-        <p:nvPr/>
-      </p:nvGrpSpPr>
-      <p:grpSpPr>
-        <a:xfrm>
-          <a:off x="0" y="0"/>
-          <a:ext cx="0" cy="0"/>
-          <a:chOff x="0" y="0"/>
-          <a:chExt cx="0" cy="0"/>
-        </a:xfrm>
-      </p:grpSpPr>
-      <p:sp>
-        <p:nvSpPr>
-          <p:cNvPr id="2" name="幻灯片图像占位符 1"/>
-          <p:cNvSpPr>
-            <a:spLocks noGrp="1" noRot="1" noChangeAspect="1"/>
-          </p:cNvSpPr>
-          <p:nvPr>
-            <p:ph type="sldImg"/>
-          </p:nvPr>
-        </p:nvSpPr>
-        <p:spPr/>
-      </p:sp>
-      <p:sp>
-        <p:nvSpPr>
-          <p:cNvPr id="3" name="备注占位符 2"/>
-          <p:cNvSpPr>
-            <a:spLocks noGrp="1"/>
-          </p:cNvSpPr>
-          <p:nvPr>
-            <p:ph type="body" idx="1"/>
-          </p:nvPr>
-        </p:nvSpPr>
-        <p:spPr/>
-        <p:txBody>
-          <a:bodyPr/>
-          <a:lstStyle/>
-          <a:p>
-            <a:r>
               <a:rPr lang="en-US" altLang="zh-CN" sz="1200" b="0" i="0" kern="1200" dirty="0" err="1" smtClean="0">
                 <a:solidFill>
                   <a:schemeClr val="tx1"/>
@@ -1432,7 +933,7 @@
 </p:notes>
 </file>
 
-<file path=ppt/notesSlides/notesSlide13.xml><?xml version="1.0" encoding="utf-8"?>
+<file path=ppt/notesSlides/notesSlide12.xml><?xml version="1.0" encoding="utf-8"?>
 <p:notes xmlns:a="http://schemas.openxmlformats.org/drawingml/2006/main" xmlns:r="http://schemas.openxmlformats.org/officeDocument/2006/relationships" xmlns:p="http://schemas.openxmlformats.org/presentationml/2006/main">
   <p:cSld>
     <p:spTree>
@@ -1516,7 +1017,7 @@
 </p:notes>
 </file>
 
-<file path=ppt/notesSlides/notesSlide14.xml><?xml version="1.0" encoding="utf-8"?>
+<file path=ppt/notesSlides/notesSlide13.xml><?xml version="1.0" encoding="utf-8"?>
 <p:notes xmlns:a="http://schemas.openxmlformats.org/drawingml/2006/main" xmlns:r="http://schemas.openxmlformats.org/officeDocument/2006/relationships" xmlns:p="http://schemas.openxmlformats.org/presentationml/2006/main">
   <p:cSld>
     <p:spTree>
@@ -9298,21 +8799,21 @@
                 <a:gridCol w="2137168">
                   <a:extLst>
                     <a:ext uri="{9D8B030D-6E8A-4147-A177-3AD203B41FA5}">
-                      <a16:colId xmlns:a16="http://schemas.microsoft.com/office/drawing/2014/main" val="99394140"/>
+                      <a16:colId xmlns:a16="http://schemas.microsoft.com/office/drawing/2014/main" xmlns="" val="99394140"/>
                     </a:ext>
                   </a:extLst>
                 </a:gridCol>
                 <a:gridCol w="2947817">
                   <a:extLst>
                     <a:ext uri="{9D8B030D-6E8A-4147-A177-3AD203B41FA5}">
-                      <a16:colId xmlns:a16="http://schemas.microsoft.com/office/drawing/2014/main" val="1060703944"/>
+                      <a16:colId xmlns:a16="http://schemas.microsoft.com/office/drawing/2014/main" xmlns="" val="1060703944"/>
                     </a:ext>
                   </a:extLst>
                 </a:gridCol>
                 <a:gridCol w="5232375">
                   <a:extLst>
                     <a:ext uri="{9D8B030D-6E8A-4147-A177-3AD203B41FA5}">
-                      <a16:colId xmlns:a16="http://schemas.microsoft.com/office/drawing/2014/main" val="3865018876"/>
+                      <a16:colId xmlns:a16="http://schemas.microsoft.com/office/drawing/2014/main" xmlns="" val="3865018876"/>
                     </a:ext>
                   </a:extLst>
                 </a:gridCol>
@@ -9561,7 +9062,7 @@
                 </a:tc>
                 <a:extLst>
                   <a:ext uri="{0D108BD9-81ED-4DB2-BD59-A6C34878D82A}">
-                    <a16:rowId xmlns:a16="http://schemas.microsoft.com/office/drawing/2014/main" val="1869341139"/>
+                    <a16:rowId xmlns:a16="http://schemas.microsoft.com/office/drawing/2014/main" xmlns="" val="1869341139"/>
                   </a:ext>
                 </a:extLst>
               </a:tr>
@@ -9931,7 +9432,7 @@
                 </a:tc>
                 <a:extLst>
                   <a:ext uri="{0D108BD9-81ED-4DB2-BD59-A6C34878D82A}">
-                    <a16:rowId xmlns:a16="http://schemas.microsoft.com/office/drawing/2014/main" val="1474622571"/>
+                    <a16:rowId xmlns:a16="http://schemas.microsoft.com/office/drawing/2014/main" xmlns="" val="1474622571"/>
                   </a:ext>
                 </a:extLst>
               </a:tr>
@@ -10236,7 +9737,7 @@
                 </a:tc>
                 <a:extLst>
                   <a:ext uri="{0D108BD9-81ED-4DB2-BD59-A6C34878D82A}">
-                    <a16:rowId xmlns:a16="http://schemas.microsoft.com/office/drawing/2014/main" val="3423468884"/>
+                    <a16:rowId xmlns:a16="http://schemas.microsoft.com/office/drawing/2014/main" xmlns="" val="3423468884"/>
                   </a:ext>
                 </a:extLst>
               </a:tr>
@@ -10478,7 +9979,7 @@
                 </a:tc>
                 <a:extLst>
                   <a:ext uri="{0D108BD9-81ED-4DB2-BD59-A6C34878D82A}">
-                    <a16:rowId xmlns:a16="http://schemas.microsoft.com/office/drawing/2014/main" val="4289354640"/>
+                    <a16:rowId xmlns:a16="http://schemas.microsoft.com/office/drawing/2014/main" xmlns="" val="4289354640"/>
                   </a:ext>
                 </a:extLst>
               </a:tr>
@@ -10736,7 +10237,7 @@
                 </a:tc>
                 <a:extLst>
                   <a:ext uri="{0D108BD9-81ED-4DB2-BD59-A6C34878D82A}">
-                    <a16:rowId xmlns:a16="http://schemas.microsoft.com/office/drawing/2014/main" val="1523068259"/>
+                    <a16:rowId xmlns:a16="http://schemas.microsoft.com/office/drawing/2014/main" xmlns="" val="1523068259"/>
                   </a:ext>
                 </a:extLst>
               </a:tr>
@@ -11058,7 +10559,7 @@
                 </a:tc>
                 <a:extLst>
                   <a:ext uri="{0D108BD9-81ED-4DB2-BD59-A6C34878D82A}">
-                    <a16:rowId xmlns:a16="http://schemas.microsoft.com/office/drawing/2014/main" val="3762591777"/>
+                    <a16:rowId xmlns:a16="http://schemas.microsoft.com/office/drawing/2014/main" xmlns="" val="3762591777"/>
                   </a:ext>
                 </a:extLst>
               </a:tr>
@@ -18053,7 +17554,7 @@
               <a:rPr lang="en-US" altLang="zh-CN" sz="2000">
                 <a:latin typeface="Arial" panose="020B0604020202020204" pitchFamily="34" charset="0"/>
                 <a:cs typeface="Arial" panose="020B0604020202020204" pitchFamily="34" charset="0"/>
-                <a:hlinkClick r:id="rId3"/>
+                <a:hlinkClick r:id="rId2"/>
               </a:rPr>
               <a:t>https://developer.android.com/reference/android/widget/RelativeLayout.html</a:t>
             </a:r>
@@ -18106,21 +17607,21 @@
                 <a:gridCol w="3269635">
                   <a:extLst>
                     <a:ext uri="{9D8B030D-6E8A-4147-A177-3AD203B41FA5}">
-                      <a16:colId xmlns:a16="http://schemas.microsoft.com/office/drawing/2014/main" val="3535278330"/>
+                      <a16:colId xmlns:a16="http://schemas.microsoft.com/office/drawing/2014/main" xmlns="" val="3535278330"/>
                     </a:ext>
                   </a:extLst>
                 </a:gridCol>
                 <a:gridCol w="1532337">
                   <a:extLst>
                     <a:ext uri="{9D8B030D-6E8A-4147-A177-3AD203B41FA5}">
-                      <a16:colId xmlns:a16="http://schemas.microsoft.com/office/drawing/2014/main" val="3293780593"/>
+                      <a16:colId xmlns:a16="http://schemas.microsoft.com/office/drawing/2014/main" xmlns="" val="3293780593"/>
                     </a:ext>
                   </a:extLst>
                 </a:gridCol>
                 <a:gridCol w="5567180">
                   <a:extLst>
                     <a:ext uri="{9D8B030D-6E8A-4147-A177-3AD203B41FA5}">
-                      <a16:colId xmlns:a16="http://schemas.microsoft.com/office/drawing/2014/main" val="856597155"/>
+                      <a16:colId xmlns:a16="http://schemas.microsoft.com/office/drawing/2014/main" xmlns="" val="856597155"/>
                     </a:ext>
                   </a:extLst>
                 </a:gridCol>
@@ -18389,7 +17890,7 @@
                 </a:tc>
                 <a:extLst>
                   <a:ext uri="{0D108BD9-81ED-4DB2-BD59-A6C34878D82A}">
-                    <a16:rowId xmlns:a16="http://schemas.microsoft.com/office/drawing/2014/main" val="962677122"/>
+                    <a16:rowId xmlns:a16="http://schemas.microsoft.com/office/drawing/2014/main" xmlns="" val="962677122"/>
                   </a:ext>
                 </a:extLst>
               </a:tr>
@@ -18694,7 +18195,7 @@
                 </a:tc>
                 <a:extLst>
                   <a:ext uri="{0D108BD9-81ED-4DB2-BD59-A6C34878D82A}">
-                    <a16:rowId xmlns:a16="http://schemas.microsoft.com/office/drawing/2014/main" val="583959017"/>
+                    <a16:rowId xmlns:a16="http://schemas.microsoft.com/office/drawing/2014/main" xmlns="" val="583959017"/>
                   </a:ext>
                 </a:extLst>
               </a:tr>
@@ -18999,7 +18500,7 @@
                 </a:tc>
                 <a:extLst>
                   <a:ext uri="{0D108BD9-81ED-4DB2-BD59-A6C34878D82A}">
-                    <a16:rowId xmlns:a16="http://schemas.microsoft.com/office/drawing/2014/main" val="58888018"/>
+                    <a16:rowId xmlns:a16="http://schemas.microsoft.com/office/drawing/2014/main" xmlns="" val="58888018"/>
                   </a:ext>
                 </a:extLst>
               </a:tr>
@@ -19265,7 +18766,7 @@
                 </a:tc>
                 <a:extLst>
                   <a:ext uri="{0D108BD9-81ED-4DB2-BD59-A6C34878D82A}">
-                    <a16:rowId xmlns:a16="http://schemas.microsoft.com/office/drawing/2014/main" val="2775775769"/>
+                    <a16:rowId xmlns:a16="http://schemas.microsoft.com/office/drawing/2014/main" xmlns="" val="2775775769"/>
                   </a:ext>
                 </a:extLst>
               </a:tr>
@@ -19570,7 +19071,7 @@
                 </a:tc>
                 <a:extLst>
                   <a:ext uri="{0D108BD9-81ED-4DB2-BD59-A6C34878D82A}">
-                    <a16:rowId xmlns:a16="http://schemas.microsoft.com/office/drawing/2014/main" val="1566399834"/>
+                    <a16:rowId xmlns:a16="http://schemas.microsoft.com/office/drawing/2014/main" xmlns="" val="1566399834"/>
                   </a:ext>
                 </a:extLst>
               </a:tr>
@@ -19875,7 +19376,7 @@
                 </a:tc>
                 <a:extLst>
                   <a:ext uri="{0D108BD9-81ED-4DB2-BD59-A6C34878D82A}">
-                    <a16:rowId xmlns:a16="http://schemas.microsoft.com/office/drawing/2014/main" val="3324795361"/>
+                    <a16:rowId xmlns:a16="http://schemas.microsoft.com/office/drawing/2014/main" xmlns="" val="3324795361"/>
                   </a:ext>
                 </a:extLst>
               </a:tr>
@@ -20141,7 +19642,7 @@
                 </a:tc>
                 <a:extLst>
                   <a:ext uri="{0D108BD9-81ED-4DB2-BD59-A6C34878D82A}">
-                    <a16:rowId xmlns:a16="http://schemas.microsoft.com/office/drawing/2014/main" val="3666388671"/>
+                    <a16:rowId xmlns:a16="http://schemas.microsoft.com/office/drawing/2014/main" xmlns="" val="3666388671"/>
                   </a:ext>
                 </a:extLst>
               </a:tr>
@@ -27692,21 +27193,21 @@
                 <a:gridCol w="2417211">
                   <a:extLst>
                     <a:ext uri="{9D8B030D-6E8A-4147-A177-3AD203B41FA5}">
-                      <a16:colId xmlns:a16="http://schemas.microsoft.com/office/drawing/2014/main" val="3535278330"/>
+                      <a16:colId xmlns:a16="http://schemas.microsoft.com/office/drawing/2014/main" xmlns="" val="3535278330"/>
                     </a:ext>
                   </a:extLst>
                 </a:gridCol>
                 <a:gridCol w="1080120">
                   <a:extLst>
                     <a:ext uri="{9D8B030D-6E8A-4147-A177-3AD203B41FA5}">
-                      <a16:colId xmlns:a16="http://schemas.microsoft.com/office/drawing/2014/main" val="3293780593"/>
+                      <a16:colId xmlns:a16="http://schemas.microsoft.com/office/drawing/2014/main" xmlns="" val="3293780593"/>
                     </a:ext>
                   </a:extLst>
                 </a:gridCol>
                 <a:gridCol w="6192689">
                   <a:extLst>
                     <a:ext uri="{9D8B030D-6E8A-4147-A177-3AD203B41FA5}">
-                      <a16:colId xmlns:a16="http://schemas.microsoft.com/office/drawing/2014/main" val="856597155"/>
+                      <a16:colId xmlns:a16="http://schemas.microsoft.com/office/drawing/2014/main" xmlns="" val="856597155"/>
                     </a:ext>
                   </a:extLst>
                 </a:gridCol>
@@ -27975,7 +27476,7 @@
                 </a:tc>
                 <a:extLst>
                   <a:ext uri="{0D108BD9-81ED-4DB2-BD59-A6C34878D82A}">
-                    <a16:rowId xmlns:a16="http://schemas.microsoft.com/office/drawing/2014/main" val="962677122"/>
+                    <a16:rowId xmlns:a16="http://schemas.microsoft.com/office/drawing/2014/main" xmlns="" val="962677122"/>
                   </a:ext>
                 </a:extLst>
               </a:tr>
@@ -28333,7 +27834,7 @@
                 </a:tc>
                 <a:extLst>
                   <a:ext uri="{0D108BD9-81ED-4DB2-BD59-A6C34878D82A}">
-                    <a16:rowId xmlns:a16="http://schemas.microsoft.com/office/drawing/2014/main" val="583959017"/>
+                    <a16:rowId xmlns:a16="http://schemas.microsoft.com/office/drawing/2014/main" xmlns="" val="583959017"/>
                   </a:ext>
                 </a:extLst>
               </a:tr>
@@ -28691,7 +28192,7 @@
                 </a:tc>
                 <a:extLst>
                   <a:ext uri="{0D108BD9-81ED-4DB2-BD59-A6C34878D82A}">
-                    <a16:rowId xmlns:a16="http://schemas.microsoft.com/office/drawing/2014/main" val="58888018"/>
+                    <a16:rowId xmlns:a16="http://schemas.microsoft.com/office/drawing/2014/main" xmlns="" val="58888018"/>
                   </a:ext>
                 </a:extLst>
               </a:tr>
@@ -29049,7 +28550,7 @@
                 </a:tc>
                 <a:extLst>
                   <a:ext uri="{0D108BD9-81ED-4DB2-BD59-A6C34878D82A}">
-                    <a16:rowId xmlns:a16="http://schemas.microsoft.com/office/drawing/2014/main" val="1566399834"/>
+                    <a16:rowId xmlns:a16="http://schemas.microsoft.com/office/drawing/2014/main" xmlns="" val="1566399834"/>
                   </a:ext>
                 </a:extLst>
               </a:tr>
@@ -29329,7 +28830,7 @@
                 </a:tc>
                 <a:extLst>
                   <a:ext uri="{0D108BD9-81ED-4DB2-BD59-A6C34878D82A}">
-                    <a16:rowId xmlns:a16="http://schemas.microsoft.com/office/drawing/2014/main" val="2619833025"/>
+                    <a16:rowId xmlns:a16="http://schemas.microsoft.com/office/drawing/2014/main" xmlns="" val="2619833025"/>
                   </a:ext>
                 </a:extLst>
               </a:tr>
@@ -29596,7 +29097,7 @@
                 </a:tc>
                 <a:extLst>
                   <a:ext uri="{0D108BD9-81ED-4DB2-BD59-A6C34878D82A}">
-                    <a16:rowId xmlns:a16="http://schemas.microsoft.com/office/drawing/2014/main" val="2591489686"/>
+                    <a16:rowId xmlns:a16="http://schemas.microsoft.com/office/drawing/2014/main" xmlns="" val="2591489686"/>
                   </a:ext>
                 </a:extLst>
               </a:tr>
@@ -35406,21 +34907,21 @@
                 <a:gridCol w="3713355">
                   <a:extLst>
                     <a:ext uri="{9D8B030D-6E8A-4147-A177-3AD203B41FA5}">
-                      <a16:colId xmlns:a16="http://schemas.microsoft.com/office/drawing/2014/main" val="3535278330"/>
+                      <a16:colId xmlns:a16="http://schemas.microsoft.com/office/drawing/2014/main" xmlns="" val="3535278330"/>
                     </a:ext>
                   </a:extLst>
                 </a:gridCol>
                 <a:gridCol w="1080120">
                   <a:extLst>
                     <a:ext uri="{9D8B030D-6E8A-4147-A177-3AD203B41FA5}">
-                      <a16:colId xmlns:a16="http://schemas.microsoft.com/office/drawing/2014/main" val="3293780593"/>
+                      <a16:colId xmlns:a16="http://schemas.microsoft.com/office/drawing/2014/main" xmlns="" val="3293780593"/>
                     </a:ext>
                   </a:extLst>
                 </a:gridCol>
                 <a:gridCol w="4896545">
                   <a:extLst>
                     <a:ext uri="{9D8B030D-6E8A-4147-A177-3AD203B41FA5}">
-                      <a16:colId xmlns:a16="http://schemas.microsoft.com/office/drawing/2014/main" val="856597155"/>
+                      <a16:colId xmlns:a16="http://schemas.microsoft.com/office/drawing/2014/main" xmlns="" val="856597155"/>
                     </a:ext>
                   </a:extLst>
                 </a:gridCol>
@@ -35689,7 +35190,7 @@
                 </a:tc>
                 <a:extLst>
                   <a:ext uri="{0D108BD9-81ED-4DB2-BD59-A6C34878D82A}">
-                    <a16:rowId xmlns:a16="http://schemas.microsoft.com/office/drawing/2014/main" val="962677122"/>
+                    <a16:rowId xmlns:a16="http://schemas.microsoft.com/office/drawing/2014/main" xmlns="" val="962677122"/>
                   </a:ext>
                 </a:extLst>
               </a:tr>
@@ -35956,7 +35457,7 @@
                 </a:tc>
                 <a:extLst>
                   <a:ext uri="{0D108BD9-81ED-4DB2-BD59-A6C34878D82A}">
-                    <a16:rowId xmlns:a16="http://schemas.microsoft.com/office/drawing/2014/main" val="583959017"/>
+                    <a16:rowId xmlns:a16="http://schemas.microsoft.com/office/drawing/2014/main" xmlns="" val="583959017"/>
                   </a:ext>
                 </a:extLst>
               </a:tr>
@@ -36223,7 +35724,7 @@
                 </a:tc>
                 <a:extLst>
                   <a:ext uri="{0D108BD9-81ED-4DB2-BD59-A6C34878D82A}">
-                    <a16:rowId xmlns:a16="http://schemas.microsoft.com/office/drawing/2014/main" val="58888018"/>
+                    <a16:rowId xmlns:a16="http://schemas.microsoft.com/office/drawing/2014/main" xmlns="" val="58888018"/>
                   </a:ext>
                 </a:extLst>
               </a:tr>
@@ -36266,21 +35767,21 @@
                 <a:gridCol w="3713355">
                   <a:extLst>
                     <a:ext uri="{9D8B030D-6E8A-4147-A177-3AD203B41FA5}">
-                      <a16:colId xmlns:a16="http://schemas.microsoft.com/office/drawing/2014/main" val="3535278330"/>
+                      <a16:colId xmlns:a16="http://schemas.microsoft.com/office/drawing/2014/main" xmlns="" val="3535278330"/>
                     </a:ext>
                   </a:extLst>
                 </a:gridCol>
                 <a:gridCol w="1080120">
                   <a:extLst>
                     <a:ext uri="{9D8B030D-6E8A-4147-A177-3AD203B41FA5}">
-                      <a16:colId xmlns:a16="http://schemas.microsoft.com/office/drawing/2014/main" val="3293780593"/>
+                      <a16:colId xmlns:a16="http://schemas.microsoft.com/office/drawing/2014/main" xmlns="" val="3293780593"/>
                     </a:ext>
                   </a:extLst>
                 </a:gridCol>
                 <a:gridCol w="4896545">
                   <a:extLst>
                     <a:ext uri="{9D8B030D-6E8A-4147-A177-3AD203B41FA5}">
-                      <a16:colId xmlns:a16="http://schemas.microsoft.com/office/drawing/2014/main" val="856597155"/>
+                      <a16:colId xmlns:a16="http://schemas.microsoft.com/office/drawing/2014/main" xmlns="" val="856597155"/>
                     </a:ext>
                   </a:extLst>
                 </a:gridCol>
@@ -36549,7 +36050,7 @@
                 </a:tc>
                 <a:extLst>
                   <a:ext uri="{0D108BD9-81ED-4DB2-BD59-A6C34878D82A}">
-                    <a16:rowId xmlns:a16="http://schemas.microsoft.com/office/drawing/2014/main" val="962677122"/>
+                    <a16:rowId xmlns:a16="http://schemas.microsoft.com/office/drawing/2014/main" xmlns="" val="962677122"/>
                   </a:ext>
                 </a:extLst>
               </a:tr>
@@ -36842,7 +36343,7 @@
                 </a:tc>
                 <a:extLst>
                   <a:ext uri="{0D108BD9-81ED-4DB2-BD59-A6C34878D82A}">
-                    <a16:rowId xmlns:a16="http://schemas.microsoft.com/office/drawing/2014/main" val="583959017"/>
+                    <a16:rowId xmlns:a16="http://schemas.microsoft.com/office/drawing/2014/main" xmlns="" val="583959017"/>
                   </a:ext>
                 </a:extLst>
               </a:tr>
@@ -37135,7 +36636,7 @@
                 </a:tc>
                 <a:extLst>
                   <a:ext uri="{0D108BD9-81ED-4DB2-BD59-A6C34878D82A}">
-                    <a16:rowId xmlns:a16="http://schemas.microsoft.com/office/drawing/2014/main" val="58888018"/>
+                    <a16:rowId xmlns:a16="http://schemas.microsoft.com/office/drawing/2014/main" xmlns="" val="58888018"/>
                   </a:ext>
                 </a:extLst>
               </a:tr>
@@ -38077,7 +37578,19 @@
                 </a:solidFill>
                 <a:latin typeface="Consolas" panose="020B0609020204030204" pitchFamily="49" charset="0"/>
               </a:rPr>
-              <a:t>="1.3"</a:t>
+              <a:t>="1</a:t>
+            </a:r>
+            <a:r>
+              <a:rPr lang="en-US" altLang="zh-CN" sz="2000" b="1" dirty="0" smtClean="0">
+                <a:solidFill>
+                  <a:schemeClr val="tx1">
+                    <a:lumMod val="85000"/>
+                    <a:lumOff val="15000"/>
+                  </a:schemeClr>
+                </a:solidFill>
+                <a:latin typeface="Consolas" panose="020B0609020204030204" pitchFamily="49" charset="0"/>
+              </a:rPr>
+              <a:t>.3"</a:t>
             </a:r>
           </a:p>
           <a:p>
@@ -41747,21 +41260,21 @@
                 <a:gridCol w="2747402">
                   <a:extLst>
                     <a:ext uri="{9D8B030D-6E8A-4147-A177-3AD203B41FA5}">
-                      <a16:colId xmlns:a16="http://schemas.microsoft.com/office/drawing/2014/main" val="3535278330"/>
+                      <a16:colId xmlns:a16="http://schemas.microsoft.com/office/drawing/2014/main" xmlns="" val="3535278330"/>
                     </a:ext>
                   </a:extLst>
                 </a:gridCol>
                 <a:gridCol w="1287589">
                   <a:extLst>
                     <a:ext uri="{9D8B030D-6E8A-4147-A177-3AD203B41FA5}">
-                      <a16:colId xmlns:a16="http://schemas.microsoft.com/office/drawing/2014/main" val="3293780593"/>
+                      <a16:colId xmlns:a16="http://schemas.microsoft.com/office/drawing/2014/main" xmlns="" val="3293780593"/>
                     </a:ext>
                   </a:extLst>
                 </a:gridCol>
                 <a:gridCol w="4677978">
                   <a:extLst>
                     <a:ext uri="{9D8B030D-6E8A-4147-A177-3AD203B41FA5}">
-                      <a16:colId xmlns:a16="http://schemas.microsoft.com/office/drawing/2014/main" val="856597155"/>
+                      <a16:colId xmlns:a16="http://schemas.microsoft.com/office/drawing/2014/main" xmlns="" val="856597155"/>
                     </a:ext>
                   </a:extLst>
                 </a:gridCol>
@@ -42030,7 +41543,7 @@
                 </a:tc>
                 <a:extLst>
                   <a:ext uri="{0D108BD9-81ED-4DB2-BD59-A6C34878D82A}">
-                    <a16:rowId xmlns:a16="http://schemas.microsoft.com/office/drawing/2014/main" val="962677122"/>
+                    <a16:rowId xmlns:a16="http://schemas.microsoft.com/office/drawing/2014/main" xmlns="" val="962677122"/>
                   </a:ext>
                 </a:extLst>
               </a:tr>
@@ -42296,7 +41809,7 @@
                 </a:tc>
                 <a:extLst>
                   <a:ext uri="{0D108BD9-81ED-4DB2-BD59-A6C34878D82A}">
-                    <a16:rowId xmlns:a16="http://schemas.microsoft.com/office/drawing/2014/main" val="3324795361"/>
+                    <a16:rowId xmlns:a16="http://schemas.microsoft.com/office/drawing/2014/main" xmlns="" val="3324795361"/>
                   </a:ext>
                 </a:extLst>
               </a:tr>
@@ -42562,7 +42075,7 @@
                 </a:tc>
                 <a:extLst>
                   <a:ext uri="{0D108BD9-81ED-4DB2-BD59-A6C34878D82A}">
-                    <a16:rowId xmlns:a16="http://schemas.microsoft.com/office/drawing/2014/main" val="3666388671"/>
+                    <a16:rowId xmlns:a16="http://schemas.microsoft.com/office/drawing/2014/main" xmlns="" val="3666388671"/>
                   </a:ext>
                 </a:extLst>
               </a:tr>
